--- a/강의자료/파이썬 3.pptx
+++ b/강의자료/파이썬 3.pptx
@@ -5,7 +5,7 @@
     <p:sldMasterId id="2147483648" r:id="rId1"/>
   </p:sldMasterIdLst>
   <p:notesMasterIdLst>
-    <p:notesMasterId r:id="rId93"/>
+    <p:notesMasterId r:id="rId98"/>
   </p:notesMasterIdLst>
   <p:sldIdLst>
     <p:sldId id="445" r:id="rId2"/>
@@ -99,6 +99,11 @@
     <p:sldId id="543" r:id="rId90"/>
     <p:sldId id="544" r:id="rId91"/>
     <p:sldId id="545" r:id="rId92"/>
+    <p:sldId id="548" r:id="rId93"/>
+    <p:sldId id="549" r:id="rId94"/>
+    <p:sldId id="550" r:id="rId95"/>
+    <p:sldId id="551" r:id="rId96"/>
+    <p:sldId id="552" r:id="rId97"/>
   </p:sldIdLst>
   <p:sldSz cx="9144000" cy="6858000" type="screen4x3"/>
   <p:notesSz cx="6858000" cy="9144000"/>
@@ -197,22 +202,6 @@
       </a:defRPr>
     </a:lvl9pPr>
   </p:defaultTextStyle>
-  <p:extLst>
-    <p:ext uri="{EFAFB233-063F-42B5-8137-9DF3F51BA10A}">
-      <p15:sldGuideLst xmlns:p15="http://schemas.microsoft.com/office/powerpoint/2012/main">
-        <p15:guide id="1" orient="horz" pos="2160">
-          <p15:clr>
-            <a:srgbClr val="A4A3A4"/>
-          </p15:clr>
-        </p15:guide>
-        <p15:guide id="2" pos="2880">
-          <p15:clr>
-            <a:srgbClr val="A4A3A4"/>
-          </p15:clr>
-        </p15:guide>
-      </p15:sldGuideLst>
-    </p:ext>
-  </p:extLst>
 </p:presentation>
 </file>
 
@@ -304,7 +293,7 @@
           <a:p>
             <a:fld id="{26E2ECC0-5849-4A59-942D-C761FDE0359C}" type="datetimeFigureOut">
               <a:rPr lang="ko-KR" altLang="en-US" smtClean="0"/>
-              <a:t>2023-03-07</a:t>
+              <a:t>2023-03-09</a:t>
             </a:fld>
             <a:endParaRPr lang="ko-KR" altLang="en-US"/>
           </a:p>
@@ -753,7 +742,7 @@
           <a:p>
             <a:fld id="{4C5E94B8-1199-48B0-8149-7F350A6B999E}" type="datetimeFigureOut">
               <a:rPr lang="ko-KR" altLang="en-US" smtClean="0"/>
-              <a:t>2023-03-07</a:t>
+              <a:t>2023-03-09</a:t>
             </a:fld>
             <a:endParaRPr lang="ko-KR" altLang="en-US"/>
           </a:p>
@@ -923,7 +912,7 @@
           <a:p>
             <a:fld id="{4C5E94B8-1199-48B0-8149-7F350A6B999E}" type="datetimeFigureOut">
               <a:rPr lang="ko-KR" altLang="en-US" smtClean="0"/>
-              <a:t>2023-03-07</a:t>
+              <a:t>2023-03-09</a:t>
             </a:fld>
             <a:endParaRPr lang="ko-KR" altLang="en-US"/>
           </a:p>
@@ -1103,7 +1092,7 @@
           <a:p>
             <a:fld id="{4C5E94B8-1199-48B0-8149-7F350A6B999E}" type="datetimeFigureOut">
               <a:rPr lang="ko-KR" altLang="en-US" smtClean="0"/>
-              <a:t>2023-03-07</a:t>
+              <a:t>2023-03-09</a:t>
             </a:fld>
             <a:endParaRPr lang="ko-KR" altLang="en-US"/>
           </a:p>
@@ -1186,7 +1175,7 @@
           <p:cNvPr id="2" name="제목 1">
             <a:extLst>
               <a:ext uri="{FF2B5EF4-FFF2-40B4-BE49-F238E27FC236}">
-                <a16:creationId xmlns:a16="http://schemas.microsoft.com/office/drawing/2014/main" id="{192274EB-EC14-48D4-B403-82D7B4F86FE7}"/>
+                <a16:creationId xmlns:a16="http://schemas.microsoft.com/office/drawing/2014/main" xmlns="" id="{192274EB-EC14-48D4-B403-82D7B4F86FE7}"/>
               </a:ext>
             </a:extLst>
           </p:cNvPr>
@@ -1222,7 +1211,7 @@
           <p:cNvPr id="4" name="날짜 개체 틀 3">
             <a:extLst>
               <a:ext uri="{FF2B5EF4-FFF2-40B4-BE49-F238E27FC236}">
-                <a16:creationId xmlns:a16="http://schemas.microsoft.com/office/drawing/2014/main" id="{59635E7B-EC78-42C5-91E2-5B94E66EEDA0}"/>
+                <a16:creationId xmlns:a16="http://schemas.microsoft.com/office/drawing/2014/main" xmlns="" id="{59635E7B-EC78-42C5-91E2-5B94E66EEDA0}"/>
               </a:ext>
             </a:extLst>
           </p:cNvPr>
@@ -1240,7 +1229,7 @@
           <a:p>
             <a:fld id="{1961B9F4-9423-4495-B011-CDBCE471B9EA}" type="datetimeFigureOut">
               <a:rPr lang="ko-KR" altLang="en-US" smtClean="0"/>
-              <a:t>2023-03-07</a:t>
+              <a:t>2023-03-09</a:t>
             </a:fld>
             <a:endParaRPr lang="ko-KR" altLang="en-US"/>
           </a:p>
@@ -1251,7 +1240,7 @@
           <p:cNvPr id="5" name="바닥글 개체 틀 4">
             <a:extLst>
               <a:ext uri="{FF2B5EF4-FFF2-40B4-BE49-F238E27FC236}">
-                <a16:creationId xmlns:a16="http://schemas.microsoft.com/office/drawing/2014/main" id="{DFA3E898-5AEB-4C22-8303-6DB0F9A26B9A}"/>
+                <a16:creationId xmlns:a16="http://schemas.microsoft.com/office/drawing/2014/main" xmlns="" id="{DFA3E898-5AEB-4C22-8303-6DB0F9A26B9A}"/>
               </a:ext>
             </a:extLst>
           </p:cNvPr>
@@ -1276,7 +1265,7 @@
           <p:cNvPr id="6" name="슬라이드 번호 개체 틀 5">
             <a:extLst>
               <a:ext uri="{FF2B5EF4-FFF2-40B4-BE49-F238E27FC236}">
-                <a16:creationId xmlns:a16="http://schemas.microsoft.com/office/drawing/2014/main" id="{C8FEE74B-B591-4700-9B37-9B6C3AD342A4}"/>
+                <a16:creationId xmlns:a16="http://schemas.microsoft.com/office/drawing/2014/main" xmlns="" id="{C8FEE74B-B591-4700-9B37-9B6C3AD342A4}"/>
               </a:ext>
             </a:extLst>
           </p:cNvPr>
@@ -1305,7 +1294,7 @@
           <p:cNvPr id="8" name="그림 7" descr="음식, 그리기이(가) 표시된 사진&#10;&#10;자동 생성된 설명">
             <a:extLst>
               <a:ext uri="{FF2B5EF4-FFF2-40B4-BE49-F238E27FC236}">
-                <a16:creationId xmlns:a16="http://schemas.microsoft.com/office/drawing/2014/main" id="{3E0A9214-92E7-4FCF-9846-5AA247585488}"/>
+                <a16:creationId xmlns:a16="http://schemas.microsoft.com/office/drawing/2014/main" xmlns="" id="{3E0A9214-92E7-4FCF-9846-5AA247585488}"/>
               </a:ext>
             </a:extLst>
           </p:cNvPr>
@@ -1650,7 +1639,7 @@
           <a:p>
             <a:fld id="{4C5E94B8-1199-48B0-8149-7F350A6B999E}" type="datetimeFigureOut">
               <a:rPr lang="ko-KR" altLang="en-US" smtClean="0"/>
-              <a:t>2023-03-07</a:t>
+              <a:t>2023-03-09</a:t>
             </a:fld>
             <a:endParaRPr lang="ko-KR" altLang="en-US"/>
           </a:p>
@@ -1896,7 +1885,7 @@
           <a:p>
             <a:fld id="{4C5E94B8-1199-48B0-8149-7F350A6B999E}" type="datetimeFigureOut">
               <a:rPr lang="ko-KR" altLang="en-US" smtClean="0"/>
-              <a:t>2023-03-07</a:t>
+              <a:t>2023-03-09</a:t>
             </a:fld>
             <a:endParaRPr lang="ko-KR" altLang="en-US"/>
           </a:p>
@@ -2184,7 +2173,7 @@
           <a:p>
             <a:fld id="{4C5E94B8-1199-48B0-8149-7F350A6B999E}" type="datetimeFigureOut">
               <a:rPr lang="ko-KR" altLang="en-US" smtClean="0"/>
-              <a:t>2023-03-07</a:t>
+              <a:t>2023-03-09</a:t>
             </a:fld>
             <a:endParaRPr lang="ko-KR" altLang="en-US"/>
           </a:p>
@@ -2606,7 +2595,7 @@
           <a:p>
             <a:fld id="{4C5E94B8-1199-48B0-8149-7F350A6B999E}" type="datetimeFigureOut">
               <a:rPr lang="ko-KR" altLang="en-US" smtClean="0"/>
-              <a:t>2023-03-07</a:t>
+              <a:t>2023-03-09</a:t>
             </a:fld>
             <a:endParaRPr lang="ko-KR" altLang="en-US"/>
           </a:p>
@@ -2724,7 +2713,7 @@
           <a:p>
             <a:fld id="{4C5E94B8-1199-48B0-8149-7F350A6B999E}" type="datetimeFigureOut">
               <a:rPr lang="ko-KR" altLang="en-US" smtClean="0"/>
-              <a:t>2023-03-07</a:t>
+              <a:t>2023-03-09</a:t>
             </a:fld>
             <a:endParaRPr lang="ko-KR" altLang="en-US"/>
           </a:p>
@@ -2819,7 +2808,7 @@
           <a:p>
             <a:fld id="{4C5E94B8-1199-48B0-8149-7F350A6B999E}" type="datetimeFigureOut">
               <a:rPr lang="ko-KR" altLang="en-US" smtClean="0"/>
-              <a:t>2023-03-07</a:t>
+              <a:t>2023-03-09</a:t>
             </a:fld>
             <a:endParaRPr lang="ko-KR" altLang="en-US"/>
           </a:p>
@@ -3096,7 +3085,7 @@
           <a:p>
             <a:fld id="{4C5E94B8-1199-48B0-8149-7F350A6B999E}" type="datetimeFigureOut">
               <a:rPr lang="ko-KR" altLang="en-US" smtClean="0"/>
-              <a:t>2023-03-07</a:t>
+              <a:t>2023-03-09</a:t>
             </a:fld>
             <a:endParaRPr lang="ko-KR" altLang="en-US"/>
           </a:p>
@@ -3349,7 +3338,7 @@
           <a:p>
             <a:fld id="{4C5E94B8-1199-48B0-8149-7F350A6B999E}" type="datetimeFigureOut">
               <a:rPr lang="ko-KR" altLang="en-US" smtClean="0"/>
-              <a:t>2023-03-07</a:t>
+              <a:t>2023-03-09</a:t>
             </a:fld>
             <a:endParaRPr lang="ko-KR" altLang="en-US"/>
           </a:p>
@@ -3562,7 +3551,7 @@
           <a:p>
             <a:fld id="{4C5E94B8-1199-48B0-8149-7F350A6B999E}" type="datetimeFigureOut">
               <a:rPr lang="ko-KR" altLang="en-US" smtClean="0"/>
-              <a:t>2023-03-07</a:t>
+              <a:t>2023-03-09</a:t>
             </a:fld>
             <a:endParaRPr lang="ko-KR" altLang="en-US"/>
           </a:p>
@@ -3944,7 +3933,7 @@
           <p:cNvPr id="7" name="TextBox 6">
             <a:extLst>
               <a:ext uri="{FF2B5EF4-FFF2-40B4-BE49-F238E27FC236}">
-                <a16:creationId xmlns:a16="http://schemas.microsoft.com/office/drawing/2014/main" id="{854E4AE2-4A82-4D24-9CDE-6C9C75BB2C64}"/>
+                <a16:creationId xmlns:a16="http://schemas.microsoft.com/office/drawing/2014/main" xmlns="" id="{854E4AE2-4A82-4D24-9CDE-6C9C75BB2C64}"/>
               </a:ext>
             </a:extLst>
           </p:cNvPr>
@@ -7646,22 +7635,6 @@
               <a:rPr lang="en-US" altLang="ko-KR" dirty="0"/>
               <a:t>. </a:t>
             </a:r>
-            <a:r>
-              <a:rPr lang="en-US" altLang="ko-KR" dirty="0" err="1"/>
-              <a:t>maxsplit</a:t>
-            </a:r>
-            <a:r>
-              <a:rPr lang="en-US" altLang="ko-KR" dirty="0"/>
-              <a:t> </a:t>
-            </a:r>
-            <a:r>
-              <a:rPr lang="ko-KR" altLang="en-US" dirty="0"/>
-              <a:t>인자를 사용하여 나눌 횟수를 지정할 수 있습니다</a:t>
-            </a:r>
-            <a:r>
-              <a:rPr lang="en-US" altLang="ko-KR" dirty="0"/>
-              <a:t>.</a:t>
-            </a:r>
           </a:p>
           <a:p>
             <a:endParaRPr lang="ko-KR" altLang="en-US" dirty="0"/>
@@ -17769,7 +17742,7 @@
         </p:nvSpPr>
         <p:spPr>
           <a:xfrm>
-            <a:off x="2675070" y="2771636"/>
+            <a:off x="2675070" y="3244334"/>
             <a:ext cx="3793859" cy="369332"/>
           </a:xfrm>
           <a:prstGeom prst="rect">
@@ -29034,6 +29007,934 @@
     <p:extLst>
       <p:ext uri="{BB962C8B-B14F-4D97-AF65-F5344CB8AC3E}">
         <p14:creationId xmlns:p14="http://schemas.microsoft.com/office/powerpoint/2010/main" val="2281480094"/>
+      </p:ext>
+    </p:extLst>
+  </p:cSld>
+  <p:clrMapOvr>
+    <a:masterClrMapping/>
+  </p:clrMapOvr>
+</p:sld>
+</file>
+
+<file path=ppt/slides/slide92.xml><?xml version="1.0" encoding="utf-8"?>
+<p:sld xmlns:a="http://schemas.openxmlformats.org/drawingml/2006/main" xmlns:r="http://schemas.openxmlformats.org/officeDocument/2006/relationships" xmlns:p="http://schemas.openxmlformats.org/presentationml/2006/main">
+  <p:cSld>
+    <p:spTree>
+      <p:nvGrpSpPr>
+        <p:cNvPr id="1" name=""/>
+        <p:cNvGrpSpPr/>
+        <p:nvPr/>
+      </p:nvGrpSpPr>
+      <p:grpSpPr>
+        <a:xfrm>
+          <a:off x="0" y="0"/>
+          <a:ext cx="0" cy="0"/>
+          <a:chOff x="0" y="0"/>
+          <a:chExt cx="0" cy="0"/>
+        </a:xfrm>
+      </p:grpSpPr>
+      <p:sp>
+        <p:nvSpPr>
+          <p:cNvPr id="2" name="제목 1"/>
+          <p:cNvSpPr>
+            <a:spLocks noGrp="1"/>
+          </p:cNvSpPr>
+          <p:nvPr>
+            <p:ph type="title"/>
+          </p:nvPr>
+        </p:nvSpPr>
+        <p:spPr>
+          <a:xfrm>
+            <a:off x="457200" y="274638"/>
+            <a:ext cx="8229600" cy="346050"/>
+          </a:xfrm>
+        </p:spPr>
+        <p:txBody>
+          <a:bodyPr>
+            <a:normAutofit fontScale="90000"/>
+          </a:bodyPr>
+          <a:lstStyle/>
+          <a:p>
+            <a:r>
+              <a:rPr lang="en-US" altLang="ko-KR" dirty="0"/>
+              <a:t>sorted() </a:t>
+            </a:r>
+            <a:r>
+              <a:rPr lang="ko-KR" altLang="en-US" dirty="0"/>
+              <a:t>함수</a:t>
+            </a:r>
+          </a:p>
+        </p:txBody>
+      </p:sp>
+      <p:sp>
+        <p:nvSpPr>
+          <p:cNvPr id="3" name="내용 개체 틀 2"/>
+          <p:cNvSpPr>
+            <a:spLocks noGrp="1"/>
+          </p:cNvSpPr>
+          <p:nvPr>
+            <p:ph idx="1"/>
+          </p:nvPr>
+        </p:nvSpPr>
+        <p:spPr>
+          <a:xfrm>
+            <a:off x="457200" y="764704"/>
+            <a:ext cx="8229600" cy="5361459"/>
+          </a:xfrm>
+        </p:spPr>
+        <p:txBody>
+          <a:bodyPr/>
+          <a:lstStyle/>
+          <a:p>
+            <a:r>
+              <a:rPr lang="en-US" altLang="ko-KR" dirty="0"/>
+              <a:t>sorted</a:t>
+            </a:r>
+            <a:r>
+              <a:rPr lang="ko-KR" altLang="en-US" dirty="0"/>
+              <a:t> 함수의 </a:t>
+            </a:r>
+            <a:r>
+              <a:rPr lang="en-US" altLang="ko-KR" dirty="0"/>
+              <a:t>key</a:t>
+            </a:r>
+            <a:r>
+              <a:rPr lang="ko-KR" altLang="en-US" dirty="0"/>
+              <a:t> 인자를 이용하면 정렬 기준을 </a:t>
+            </a:r>
+            <a:r>
+              <a:rPr lang="ko-KR" altLang="en-US" dirty="0" err="1"/>
+              <a:t>커스터마이징할</a:t>
+            </a:r>
+            <a:r>
+              <a:rPr lang="ko-KR" altLang="en-US" dirty="0"/>
+              <a:t> 수 있습니다</a:t>
+            </a:r>
+            <a:r>
+              <a:rPr lang="en-US" altLang="ko-KR" dirty="0" smtClean="0"/>
+              <a:t>.</a:t>
+            </a:r>
+          </a:p>
+          <a:p>
+            <a:endParaRPr lang="en-US" altLang="ko-KR" dirty="0"/>
+          </a:p>
+          <a:p>
+            <a:r>
+              <a:rPr lang="en-US" altLang="ko-KR" dirty="0"/>
+              <a:t>key</a:t>
+            </a:r>
+            <a:r>
+              <a:rPr lang="ko-KR" altLang="en-US" dirty="0"/>
+              <a:t> 인자는 정렬에 사용될 함수를 지정하는 인자로</a:t>
+            </a:r>
+            <a:r>
+              <a:rPr lang="en-US" altLang="ko-KR" dirty="0"/>
+              <a:t>, </a:t>
+            </a:r>
+            <a:r>
+              <a:rPr lang="ko-KR" altLang="en-US" dirty="0"/>
+              <a:t>이 함수의 </a:t>
+            </a:r>
+            <a:r>
+              <a:rPr lang="ko-KR" altLang="en-US" dirty="0" err="1"/>
+              <a:t>반환값을</a:t>
+            </a:r>
+            <a:r>
+              <a:rPr lang="ko-KR" altLang="en-US" dirty="0"/>
+              <a:t> 기준으로 리스트를 정렬합니다</a:t>
+            </a:r>
+            <a:r>
+              <a:rPr lang="en-US" altLang="ko-KR" dirty="0" smtClean="0"/>
+              <a:t>.</a:t>
+            </a:r>
+          </a:p>
+          <a:p>
+            <a:endParaRPr lang="en-US" altLang="ko-KR" dirty="0"/>
+          </a:p>
+          <a:p>
+            <a:r>
+              <a:rPr lang="ko-KR" altLang="en-US" dirty="0"/>
+              <a:t>리스트의 원소를 길이 기준으로 정렬</a:t>
+            </a:r>
+          </a:p>
+        </p:txBody>
+      </p:sp>
+      <p:sp>
+        <p:nvSpPr>
+          <p:cNvPr id="4" name="직사각형 3"/>
+          <p:cNvSpPr/>
+          <p:nvPr/>
+        </p:nvSpPr>
+        <p:spPr>
+          <a:xfrm>
+            <a:off x="1259632" y="3952138"/>
+            <a:ext cx="7200800" cy="1754326"/>
+          </a:xfrm>
+          <a:prstGeom prst="rect">
+            <a:avLst/>
+          </a:prstGeom>
+        </p:spPr>
+        <p:txBody>
+          <a:bodyPr wrap="square">
+            <a:spAutoFit/>
+          </a:bodyPr>
+          <a:lstStyle/>
+          <a:p>
+            <a:r>
+              <a:rPr lang="en-US" altLang="ko-KR" dirty="0"/>
+              <a:t>fruits = ['apple', 'banana', 'cherry', 'date']</a:t>
+            </a:r>
+          </a:p>
+          <a:p>
+            <a:endParaRPr lang="en-US" altLang="ko-KR" dirty="0"/>
+          </a:p>
+          <a:p>
+            <a:r>
+              <a:rPr lang="en-US" altLang="ko-KR" dirty="0"/>
+              <a:t># </a:t>
+            </a:r>
+            <a:r>
+              <a:rPr lang="ko-KR" altLang="en-US" dirty="0"/>
+              <a:t>길이 기준으로 정렬</a:t>
+            </a:r>
+          </a:p>
+          <a:p>
+            <a:r>
+              <a:rPr lang="en-US" altLang="ko-KR" dirty="0" err="1"/>
+              <a:t>sorted_fruits</a:t>
+            </a:r>
+            <a:r>
+              <a:rPr lang="en-US" altLang="ko-KR" dirty="0"/>
+              <a:t> = sorted(fruits, key=</a:t>
+            </a:r>
+            <a:r>
+              <a:rPr lang="en-US" altLang="ko-KR" dirty="0" err="1"/>
+              <a:t>len</a:t>
+            </a:r>
+            <a:r>
+              <a:rPr lang="en-US" altLang="ko-KR" dirty="0"/>
+              <a:t>)</a:t>
+            </a:r>
+          </a:p>
+          <a:p>
+            <a:r>
+              <a:rPr lang="en-US" altLang="ko-KR" dirty="0"/>
+              <a:t>print(</a:t>
+            </a:r>
+            <a:r>
+              <a:rPr lang="en-US" altLang="ko-KR" dirty="0" err="1"/>
+              <a:t>sorted_fruits</a:t>
+            </a:r>
+            <a:r>
+              <a:rPr lang="en-US" altLang="ko-KR" dirty="0"/>
+              <a:t>)</a:t>
+            </a:r>
+          </a:p>
+          <a:p>
+            <a:r>
+              <a:rPr lang="en-US" altLang="ko-KR" dirty="0"/>
+              <a:t># </a:t>
+            </a:r>
+            <a:r>
+              <a:rPr lang="ko-KR" altLang="en-US" dirty="0"/>
+              <a:t>출력 결과</a:t>
+            </a:r>
+            <a:r>
+              <a:rPr lang="en-US" altLang="ko-KR" dirty="0"/>
+              <a:t>: ['date', 'apple', 'banana', 'cherry']</a:t>
+            </a:r>
+          </a:p>
+        </p:txBody>
+      </p:sp>
+    </p:spTree>
+    <p:extLst>
+      <p:ext uri="{BB962C8B-B14F-4D97-AF65-F5344CB8AC3E}">
+        <p14:creationId xmlns:p14="http://schemas.microsoft.com/office/powerpoint/2010/main" val="2917908910"/>
+      </p:ext>
+    </p:extLst>
+  </p:cSld>
+  <p:clrMapOvr>
+    <a:masterClrMapping/>
+  </p:clrMapOvr>
+</p:sld>
+</file>
+
+<file path=ppt/slides/slide93.xml><?xml version="1.0" encoding="utf-8"?>
+<p:sld xmlns:a="http://schemas.openxmlformats.org/drawingml/2006/main" xmlns:r="http://schemas.openxmlformats.org/officeDocument/2006/relationships" xmlns:p="http://schemas.openxmlformats.org/presentationml/2006/main">
+  <p:cSld>
+    <p:spTree>
+      <p:nvGrpSpPr>
+        <p:cNvPr id="1" name=""/>
+        <p:cNvGrpSpPr/>
+        <p:nvPr/>
+      </p:nvGrpSpPr>
+      <p:grpSpPr>
+        <a:xfrm>
+          <a:off x="0" y="0"/>
+          <a:ext cx="0" cy="0"/>
+          <a:chOff x="0" y="0"/>
+          <a:chExt cx="0" cy="0"/>
+        </a:xfrm>
+      </p:grpSpPr>
+      <p:sp>
+        <p:nvSpPr>
+          <p:cNvPr id="2" name="제목 1"/>
+          <p:cNvSpPr>
+            <a:spLocks noGrp="1"/>
+          </p:cNvSpPr>
+          <p:nvPr>
+            <p:ph type="title"/>
+          </p:nvPr>
+        </p:nvSpPr>
+        <p:spPr/>
+        <p:txBody>
+          <a:bodyPr/>
+          <a:lstStyle/>
+          <a:p>
+            <a:r>
+              <a:rPr lang="ko-KR" altLang="en-US" dirty="0" smtClean="0"/>
+              <a:t>연습문제</a:t>
+            </a:r>
+            <a:endParaRPr lang="ko-KR" altLang="en-US" dirty="0"/>
+          </a:p>
+        </p:txBody>
+      </p:sp>
+      <p:sp>
+        <p:nvSpPr>
+          <p:cNvPr id="3" name="내용 개체 틀 2"/>
+          <p:cNvSpPr>
+            <a:spLocks noGrp="1"/>
+          </p:cNvSpPr>
+          <p:nvPr>
+            <p:ph idx="1"/>
+          </p:nvPr>
+        </p:nvSpPr>
+        <p:spPr/>
+        <p:txBody>
+          <a:bodyPr/>
+          <a:lstStyle/>
+          <a:p>
+            <a:r>
+              <a:rPr lang="ko-KR" altLang="en-US" dirty="0" smtClean="0"/>
+              <a:t>학생들의 </a:t>
+            </a:r>
+            <a:r>
+              <a:rPr lang="ko-KR" altLang="en-US" dirty="0"/>
+              <a:t>성적을 딕셔너리로 저장하고</a:t>
+            </a:r>
+            <a:r>
+              <a:rPr lang="en-US" altLang="ko-KR" dirty="0"/>
+              <a:t>, </a:t>
+            </a:r>
+            <a:r>
+              <a:rPr lang="ko-KR" altLang="en-US" dirty="0"/>
+              <a:t>성적 평균을 계산하는 프로그램을 작성해보세요</a:t>
+            </a:r>
+            <a:r>
+              <a:rPr lang="en-US" altLang="ko-KR" dirty="0"/>
+              <a:t>.</a:t>
+            </a:r>
+          </a:p>
+          <a:p>
+            <a:endParaRPr lang="ko-KR" altLang="en-US" dirty="0"/>
+          </a:p>
+        </p:txBody>
+      </p:sp>
+      <p:sp>
+        <p:nvSpPr>
+          <p:cNvPr id="4" name="직사각형 3"/>
+          <p:cNvSpPr/>
+          <p:nvPr/>
+        </p:nvSpPr>
+        <p:spPr>
+          <a:xfrm>
+            <a:off x="2051720" y="2852936"/>
+            <a:ext cx="4572000" cy="1477328"/>
+          </a:xfrm>
+          <a:prstGeom prst="rect">
+            <a:avLst/>
+          </a:prstGeom>
+        </p:spPr>
+        <p:txBody>
+          <a:bodyPr>
+            <a:spAutoFit/>
+          </a:bodyPr>
+          <a:lstStyle/>
+          <a:p>
+            <a:r>
+              <a:rPr lang="en-US" altLang="ko-KR" dirty="0"/>
+              <a:t>{</a:t>
+            </a:r>
+          </a:p>
+          <a:p>
+            <a:r>
+              <a:rPr lang="en-US" altLang="ko-KR" dirty="0"/>
+              <a:t>    "Alice": [85, 90, 95],</a:t>
+            </a:r>
+          </a:p>
+          <a:p>
+            <a:r>
+              <a:rPr lang="en-US" altLang="ko-KR" dirty="0"/>
+              <a:t>    "Bob": [75, 80, 85],</a:t>
+            </a:r>
+          </a:p>
+          <a:p>
+            <a:r>
+              <a:rPr lang="en-US" altLang="ko-KR" dirty="0"/>
+              <a:t>    "Charlie": [95, 95, 95]</a:t>
+            </a:r>
+          </a:p>
+          <a:p>
+            <a:r>
+              <a:rPr lang="en-US" altLang="ko-KR" dirty="0"/>
+              <a:t>}</a:t>
+            </a:r>
+          </a:p>
+        </p:txBody>
+      </p:sp>
+      <p:sp>
+        <p:nvSpPr>
+          <p:cNvPr id="5" name="직사각형 4"/>
+          <p:cNvSpPr/>
+          <p:nvPr/>
+        </p:nvSpPr>
+        <p:spPr>
+          <a:xfrm>
+            <a:off x="2071045" y="4653136"/>
+            <a:ext cx="4572000" cy="1200329"/>
+          </a:xfrm>
+          <a:prstGeom prst="rect">
+            <a:avLst/>
+          </a:prstGeom>
+        </p:spPr>
+        <p:txBody>
+          <a:bodyPr>
+            <a:spAutoFit/>
+          </a:bodyPr>
+          <a:lstStyle/>
+          <a:p>
+            <a:r>
+              <a:rPr lang="en-US" altLang="ko-KR" dirty="0"/>
+              <a:t>Average grades:</a:t>
+            </a:r>
+          </a:p>
+          <a:p>
+            <a:r>
+              <a:rPr lang="en-US" altLang="ko-KR" dirty="0"/>
+              <a:t>Alice: 90.0</a:t>
+            </a:r>
+          </a:p>
+          <a:p>
+            <a:r>
+              <a:rPr lang="en-US" altLang="ko-KR" dirty="0"/>
+              <a:t>Bob: 80.0</a:t>
+            </a:r>
+          </a:p>
+          <a:p>
+            <a:r>
+              <a:rPr lang="en-US" altLang="ko-KR" dirty="0"/>
+              <a:t>Charlie: 95.0</a:t>
+            </a:r>
+          </a:p>
+        </p:txBody>
+      </p:sp>
+    </p:spTree>
+    <p:extLst>
+      <p:ext uri="{BB962C8B-B14F-4D97-AF65-F5344CB8AC3E}">
+        <p14:creationId xmlns:p14="http://schemas.microsoft.com/office/powerpoint/2010/main" val="288973627"/>
+      </p:ext>
+    </p:extLst>
+  </p:cSld>
+  <p:clrMapOvr>
+    <a:masterClrMapping/>
+  </p:clrMapOvr>
+</p:sld>
+</file>
+
+<file path=ppt/slides/slide94.xml><?xml version="1.0" encoding="utf-8"?>
+<p:sld xmlns:a="http://schemas.openxmlformats.org/drawingml/2006/main" xmlns:r="http://schemas.openxmlformats.org/officeDocument/2006/relationships" xmlns:p="http://schemas.openxmlformats.org/presentationml/2006/main">
+  <p:cSld>
+    <p:spTree>
+      <p:nvGrpSpPr>
+        <p:cNvPr id="1" name=""/>
+        <p:cNvGrpSpPr/>
+        <p:nvPr/>
+      </p:nvGrpSpPr>
+      <p:grpSpPr>
+        <a:xfrm>
+          <a:off x="0" y="0"/>
+          <a:ext cx="0" cy="0"/>
+          <a:chOff x="0" y="0"/>
+          <a:chExt cx="0" cy="0"/>
+        </a:xfrm>
+      </p:grpSpPr>
+      <p:sp>
+        <p:nvSpPr>
+          <p:cNvPr id="2" name="제목 1"/>
+          <p:cNvSpPr>
+            <a:spLocks noGrp="1"/>
+          </p:cNvSpPr>
+          <p:nvPr>
+            <p:ph type="title"/>
+          </p:nvPr>
+        </p:nvSpPr>
+        <p:spPr/>
+        <p:txBody>
+          <a:bodyPr/>
+          <a:lstStyle/>
+          <a:p>
+            <a:r>
+              <a:rPr lang="ko-KR" altLang="en-US" dirty="0"/>
+              <a:t>연습문제</a:t>
+            </a:r>
+          </a:p>
+        </p:txBody>
+      </p:sp>
+      <p:sp>
+        <p:nvSpPr>
+          <p:cNvPr id="3" name="내용 개체 틀 2"/>
+          <p:cNvSpPr>
+            <a:spLocks noGrp="1"/>
+          </p:cNvSpPr>
+          <p:nvPr>
+            <p:ph idx="1"/>
+          </p:nvPr>
+        </p:nvSpPr>
+        <p:spPr/>
+        <p:txBody>
+          <a:bodyPr/>
+          <a:lstStyle/>
+          <a:p>
+            <a:r>
+              <a:rPr lang="ko-KR" altLang="en-US" dirty="0"/>
+              <a:t>숫자들이 들어있는 리스트에서 중복된 숫자를 제거하고</a:t>
+            </a:r>
+            <a:r>
+              <a:rPr lang="en-US" altLang="ko-KR" dirty="0"/>
+              <a:t>, </a:t>
+            </a:r>
+            <a:r>
+              <a:rPr lang="ko-KR" altLang="en-US" dirty="0"/>
+              <a:t>남은 숫자들의 합을 계산하는 프로그램을 작성해보세요</a:t>
+            </a:r>
+            <a:r>
+              <a:rPr lang="en-US" altLang="ko-KR" dirty="0"/>
+              <a:t>.</a:t>
+            </a:r>
+            <a:endParaRPr lang="ko-KR" altLang="en-US" dirty="0"/>
+          </a:p>
+        </p:txBody>
+      </p:sp>
+      <p:sp>
+        <p:nvSpPr>
+          <p:cNvPr id="4" name="직사각형 3"/>
+          <p:cNvSpPr/>
+          <p:nvPr/>
+        </p:nvSpPr>
+        <p:spPr>
+          <a:xfrm>
+            <a:off x="2699792" y="2780928"/>
+            <a:ext cx="2529860" cy="369332"/>
+          </a:xfrm>
+          <a:prstGeom prst="rect">
+            <a:avLst/>
+          </a:prstGeom>
+        </p:spPr>
+        <p:txBody>
+          <a:bodyPr wrap="none">
+            <a:spAutoFit/>
+          </a:bodyPr>
+          <a:lstStyle/>
+          <a:p>
+            <a:r>
+              <a:rPr lang="en-US" altLang="ko-KR" dirty="0"/>
+              <a:t>[1, 2, 2, 3, 3, 3, 4, 4, 5]</a:t>
+            </a:r>
+          </a:p>
+        </p:txBody>
+      </p:sp>
+      <p:sp>
+        <p:nvSpPr>
+          <p:cNvPr id="5" name="직사각형 4"/>
+          <p:cNvSpPr/>
+          <p:nvPr/>
+        </p:nvSpPr>
+        <p:spPr>
+          <a:xfrm>
+            <a:off x="2699792" y="3573016"/>
+            <a:ext cx="3116944" cy="369332"/>
+          </a:xfrm>
+          <a:prstGeom prst="rect">
+            <a:avLst/>
+          </a:prstGeom>
+        </p:spPr>
+        <p:txBody>
+          <a:bodyPr wrap="none">
+            <a:spAutoFit/>
+          </a:bodyPr>
+          <a:lstStyle/>
+          <a:p>
+            <a:r>
+              <a:rPr lang="en-US" altLang="ko-KR" dirty="0"/>
+              <a:t>Sum of unique numbers: 15</a:t>
+            </a:r>
+          </a:p>
+        </p:txBody>
+      </p:sp>
+    </p:spTree>
+    <p:extLst>
+      <p:ext uri="{BB962C8B-B14F-4D97-AF65-F5344CB8AC3E}">
+        <p14:creationId xmlns:p14="http://schemas.microsoft.com/office/powerpoint/2010/main" val="3302559393"/>
+      </p:ext>
+    </p:extLst>
+  </p:cSld>
+  <p:clrMapOvr>
+    <a:masterClrMapping/>
+  </p:clrMapOvr>
+</p:sld>
+</file>
+
+<file path=ppt/slides/slide95.xml><?xml version="1.0" encoding="utf-8"?>
+<p:sld xmlns:a="http://schemas.openxmlformats.org/drawingml/2006/main" xmlns:r="http://schemas.openxmlformats.org/officeDocument/2006/relationships" xmlns:p="http://schemas.openxmlformats.org/presentationml/2006/main">
+  <p:cSld>
+    <p:spTree>
+      <p:nvGrpSpPr>
+        <p:cNvPr id="1" name=""/>
+        <p:cNvGrpSpPr/>
+        <p:nvPr/>
+      </p:nvGrpSpPr>
+      <p:grpSpPr>
+        <a:xfrm>
+          <a:off x="0" y="0"/>
+          <a:ext cx="0" cy="0"/>
+          <a:chOff x="0" y="0"/>
+          <a:chExt cx="0" cy="0"/>
+        </a:xfrm>
+      </p:grpSpPr>
+      <p:sp>
+        <p:nvSpPr>
+          <p:cNvPr id="2" name="제목 1"/>
+          <p:cNvSpPr>
+            <a:spLocks noGrp="1"/>
+          </p:cNvSpPr>
+          <p:nvPr>
+            <p:ph type="title"/>
+          </p:nvPr>
+        </p:nvSpPr>
+        <p:spPr/>
+        <p:txBody>
+          <a:bodyPr/>
+          <a:lstStyle/>
+          <a:p>
+            <a:r>
+              <a:rPr lang="ko-KR" altLang="en-US" dirty="0"/>
+              <a:t>연습문제</a:t>
+            </a:r>
+          </a:p>
+        </p:txBody>
+      </p:sp>
+      <p:sp>
+        <p:nvSpPr>
+          <p:cNvPr id="3" name="내용 개체 틀 2"/>
+          <p:cNvSpPr>
+            <a:spLocks noGrp="1"/>
+          </p:cNvSpPr>
+          <p:nvPr>
+            <p:ph idx="1"/>
+          </p:nvPr>
+        </p:nvSpPr>
+        <p:spPr/>
+        <p:txBody>
+          <a:bodyPr/>
+          <a:lstStyle/>
+          <a:p>
+            <a:r>
+              <a:rPr lang="ko-KR" altLang="en-US" dirty="0" smtClean="0"/>
+              <a:t>주어진 </a:t>
+            </a:r>
+            <a:r>
+              <a:rPr lang="ko-KR" altLang="en-US" dirty="0"/>
+              <a:t>문자열에서 각 알파벳의 빈도수를 구하는 프로그램을 작성하시오</a:t>
+            </a:r>
+            <a:r>
+              <a:rPr lang="en-US" altLang="ko-KR" dirty="0"/>
+              <a:t>.</a:t>
+            </a:r>
+            <a:endParaRPr lang="ko-KR" altLang="en-US" dirty="0"/>
+          </a:p>
+        </p:txBody>
+      </p:sp>
+      <p:sp>
+        <p:nvSpPr>
+          <p:cNvPr id="4" name="직사각형 3"/>
+          <p:cNvSpPr/>
+          <p:nvPr/>
+        </p:nvSpPr>
+        <p:spPr>
+          <a:xfrm>
+            <a:off x="539552" y="2996952"/>
+            <a:ext cx="8064896" cy="1200329"/>
+          </a:xfrm>
+          <a:prstGeom prst="rect">
+            <a:avLst/>
+          </a:prstGeom>
+        </p:spPr>
+        <p:txBody>
+          <a:bodyPr wrap="square">
+            <a:spAutoFit/>
+          </a:bodyPr>
+          <a:lstStyle/>
+          <a:p>
+            <a:r>
+              <a:rPr lang="en-US" altLang="ko-KR" dirty="0" smtClean="0"/>
+              <a:t>text </a:t>
+            </a:r>
+            <a:r>
+              <a:rPr lang="en-US" altLang="ko-KR" dirty="0"/>
+              <a:t>= "Hello, world!"</a:t>
+            </a:r>
+          </a:p>
+          <a:p>
+            <a:endParaRPr lang="en-US" altLang="ko-KR" dirty="0" smtClean="0"/>
+          </a:p>
+          <a:p>
+            <a:r>
+              <a:rPr lang="en-US" altLang="ko-KR" dirty="0" smtClean="0"/>
+              <a:t>#</a:t>
+            </a:r>
+            <a:r>
+              <a:rPr lang="ko-KR" altLang="en-US" dirty="0" smtClean="0"/>
+              <a:t>결과값</a:t>
+            </a:r>
+            <a:endParaRPr lang="en-US" altLang="ko-KR" dirty="0" smtClean="0"/>
+          </a:p>
+          <a:p>
+            <a:r>
+              <a:rPr lang="en-US" altLang="ko-KR" dirty="0" smtClean="0"/>
+              <a:t>{</a:t>
+            </a:r>
+            <a:r>
+              <a:rPr lang="en-US" altLang="ko-KR" dirty="0"/>
+              <a:t>'H': 1, 'e': 1, 'l': 3, 'o': 2, ',': 1, ' ': 1, 'w': 1, 'r': 1, 'd': 1, '!': 1}</a:t>
+            </a:r>
+          </a:p>
+        </p:txBody>
+      </p:sp>
+    </p:spTree>
+    <p:extLst>
+      <p:ext uri="{BB962C8B-B14F-4D97-AF65-F5344CB8AC3E}">
+        <p14:creationId xmlns:p14="http://schemas.microsoft.com/office/powerpoint/2010/main" val="2930605332"/>
+      </p:ext>
+    </p:extLst>
+  </p:cSld>
+  <p:clrMapOvr>
+    <a:masterClrMapping/>
+  </p:clrMapOvr>
+</p:sld>
+</file>
+
+<file path=ppt/slides/slide96.xml><?xml version="1.0" encoding="utf-8"?>
+<p:sld xmlns:a="http://schemas.openxmlformats.org/drawingml/2006/main" xmlns:r="http://schemas.openxmlformats.org/officeDocument/2006/relationships" xmlns:p="http://schemas.openxmlformats.org/presentationml/2006/main">
+  <p:cSld>
+    <p:spTree>
+      <p:nvGrpSpPr>
+        <p:cNvPr id="1" name=""/>
+        <p:cNvGrpSpPr/>
+        <p:nvPr/>
+      </p:nvGrpSpPr>
+      <p:grpSpPr>
+        <a:xfrm>
+          <a:off x="0" y="0"/>
+          <a:ext cx="0" cy="0"/>
+          <a:chOff x="0" y="0"/>
+          <a:chExt cx="0" cy="0"/>
+        </a:xfrm>
+      </p:grpSpPr>
+      <p:sp>
+        <p:nvSpPr>
+          <p:cNvPr id="2" name="제목 1"/>
+          <p:cNvSpPr>
+            <a:spLocks noGrp="1"/>
+          </p:cNvSpPr>
+          <p:nvPr>
+            <p:ph type="title"/>
+          </p:nvPr>
+        </p:nvSpPr>
+        <p:spPr/>
+        <p:txBody>
+          <a:bodyPr/>
+          <a:lstStyle/>
+          <a:p>
+            <a:r>
+              <a:rPr lang="ko-KR" altLang="en-US" dirty="0"/>
+              <a:t>연습문제</a:t>
+            </a:r>
+          </a:p>
+        </p:txBody>
+      </p:sp>
+      <p:sp>
+        <p:nvSpPr>
+          <p:cNvPr id="3" name="내용 개체 틀 2"/>
+          <p:cNvSpPr>
+            <a:spLocks noGrp="1"/>
+          </p:cNvSpPr>
+          <p:nvPr>
+            <p:ph idx="1"/>
+          </p:nvPr>
+        </p:nvSpPr>
+        <p:spPr/>
+        <p:txBody>
+          <a:bodyPr/>
+          <a:lstStyle/>
+          <a:p>
+            <a:r>
+              <a:rPr lang="ko-KR" altLang="en-US" dirty="0"/>
+              <a:t>두 개의 리스트가 주어졌을 때</a:t>
+            </a:r>
+            <a:r>
+              <a:rPr lang="en-US" altLang="ko-KR" dirty="0"/>
+              <a:t>, </a:t>
+            </a:r>
+            <a:r>
+              <a:rPr lang="ko-KR" altLang="en-US" dirty="0"/>
+              <a:t>두 리스트에 공통으로 포함된 요소를 모두 담은 리스트를 반환하는 프로그램을 작성하시오</a:t>
+            </a:r>
+            <a:r>
+              <a:rPr lang="en-US" altLang="ko-KR" dirty="0" smtClean="0"/>
+              <a:t>.</a:t>
+            </a:r>
+          </a:p>
+          <a:p>
+            <a:endParaRPr lang="en-US" altLang="ko-KR" dirty="0"/>
+          </a:p>
+          <a:p>
+            <a:pPr lvl="1"/>
+            <a:r>
+              <a:rPr lang="ko-KR" altLang="en-US" dirty="0"/>
+              <a:t>리스트</a:t>
+            </a:r>
+            <a:r>
+              <a:rPr lang="en-US" altLang="ko-KR" dirty="0"/>
+              <a:t>A: </a:t>
+            </a:r>
+            <a:r>
+              <a:rPr lang="ko-KR" altLang="en-US" dirty="0"/>
+              <a:t>임의의 길이와 요소를 가진 리스트</a:t>
+            </a:r>
+          </a:p>
+          <a:p>
+            <a:pPr lvl="1"/>
+            <a:r>
+              <a:rPr lang="ko-KR" altLang="en-US" dirty="0"/>
+              <a:t>리스트</a:t>
+            </a:r>
+            <a:r>
+              <a:rPr lang="en-US" altLang="ko-KR" dirty="0"/>
+              <a:t>B: </a:t>
+            </a:r>
+            <a:r>
+              <a:rPr lang="ko-KR" altLang="en-US" dirty="0"/>
+              <a:t>임의의 길이와 요소를 가진 리스트</a:t>
+            </a:r>
+          </a:p>
+          <a:p>
+            <a:pPr lvl="1"/>
+            <a:endParaRPr lang="ko-KR" altLang="en-US" dirty="0"/>
+          </a:p>
+        </p:txBody>
+      </p:sp>
+      <p:sp>
+        <p:nvSpPr>
+          <p:cNvPr id="4" name="직사각형 3"/>
+          <p:cNvSpPr/>
+          <p:nvPr/>
+        </p:nvSpPr>
+        <p:spPr>
+          <a:xfrm>
+            <a:off x="1907704" y="4439541"/>
+            <a:ext cx="6840760" cy="1754326"/>
+          </a:xfrm>
+          <a:prstGeom prst="rect">
+            <a:avLst/>
+          </a:prstGeom>
+        </p:spPr>
+        <p:txBody>
+          <a:bodyPr wrap="square">
+            <a:spAutoFit/>
+          </a:bodyPr>
+          <a:lstStyle/>
+          <a:p>
+            <a:r>
+              <a:rPr lang="en-US" altLang="ko-KR" dirty="0"/>
+              <a:t>list1 = [1, 2, 3, 4, 5]</a:t>
+            </a:r>
+          </a:p>
+          <a:p>
+            <a:r>
+              <a:rPr lang="en-US" altLang="ko-KR" dirty="0"/>
+              <a:t>list2 = [2, 4, 6, 8, 10]</a:t>
+            </a:r>
+          </a:p>
+          <a:p>
+            <a:endParaRPr lang="en-US" altLang="ko-KR" dirty="0" smtClean="0"/>
+          </a:p>
+          <a:p>
+            <a:r>
+              <a:rPr lang="en-US" altLang="ko-KR" dirty="0" smtClean="0"/>
+              <a:t># </a:t>
+            </a:r>
+            <a:r>
+              <a:rPr lang="ko-KR" altLang="en-US" dirty="0"/>
+              <a:t>공통된 요소인 </a:t>
+            </a:r>
+            <a:r>
+              <a:rPr lang="en-US" altLang="ko-KR" dirty="0"/>
+              <a:t>2</a:t>
+            </a:r>
+            <a:r>
+              <a:rPr lang="ko-KR" altLang="en-US" dirty="0"/>
+              <a:t>와 </a:t>
+            </a:r>
+            <a:r>
+              <a:rPr lang="en-US" altLang="ko-KR" dirty="0"/>
+              <a:t>4</a:t>
+            </a:r>
+            <a:r>
+              <a:rPr lang="ko-KR" altLang="en-US" dirty="0"/>
+              <a:t>를 모두 포함한 리스트를 반환한다</a:t>
+            </a:r>
+            <a:r>
+              <a:rPr lang="en-US" altLang="ko-KR" dirty="0"/>
+              <a:t>.</a:t>
+            </a:r>
+          </a:p>
+          <a:p>
+            <a:r>
+              <a:rPr lang="en-US" altLang="ko-KR" dirty="0" smtClean="0"/>
+              <a:t># </a:t>
+            </a:r>
+            <a:r>
+              <a:rPr lang="ko-KR" altLang="en-US" dirty="0" smtClean="0"/>
+              <a:t>결과값</a:t>
+            </a:r>
+            <a:endParaRPr lang="en-US" altLang="ko-KR" dirty="0" smtClean="0"/>
+          </a:p>
+          <a:p>
+            <a:r>
+              <a:rPr lang="en-US" altLang="ko-KR" dirty="0" smtClean="0"/>
+              <a:t># [2</a:t>
+            </a:r>
+            <a:r>
+              <a:rPr lang="en-US" altLang="ko-KR" dirty="0"/>
+              <a:t>, 4]</a:t>
+            </a:r>
+          </a:p>
+        </p:txBody>
+      </p:sp>
+    </p:spTree>
+    <p:extLst>
+      <p:ext uri="{BB962C8B-B14F-4D97-AF65-F5344CB8AC3E}">
+        <p14:creationId xmlns:p14="http://schemas.microsoft.com/office/powerpoint/2010/main" val="1061961645"/>
       </p:ext>
     </p:extLst>
   </p:cSld>
